--- a/Age Prediction based on Multi-omics Data.pptx
+++ b/Age Prediction based on Multi-omics Data.pptx
@@ -17,6 +17,7 @@
     <p:sldId id="265" r:id="rId11"/>
     <p:sldId id="266" r:id="rId12"/>
     <p:sldId id="267" r:id="rId13"/>
+    <p:sldId id="268" r:id="rId14"/>
   </p:sldIdLst>
   <p:sldSz cx="12192000" cy="6858000"/>
   <p:notesSz cx="6858000" cy="9144000"/>
@@ -900,16 +901,16 @@
             <a:defRPr b="1"/>
           </a:pPr>
           <a:r>
-            <a:rPr lang="en-US"/>
+            <a:rPr lang="en-US" dirty="0"/>
             <a:t>Data source: </a:t>
           </a:r>
           <a:r>
-            <a:rPr lang="en-US">
+            <a:rPr lang="en-US" dirty="0">
               <a:hlinkClick xmlns:r="http://schemas.openxmlformats.org/officeDocument/2006/relationships" r:id="rId1"/>
             </a:rPr>
             <a:t>https://zenodo.org/record/2545213</a:t>
           </a:r>
-          <a:endParaRPr lang="en-US"/>
+          <a:endParaRPr lang="en-US" dirty="0"/>
         </a:p>
       </dgm:t>
     </dgm:pt>
@@ -1442,16 +1443,16 @@
             <a:defRPr b="1"/>
           </a:pPr>
           <a:r>
-            <a:rPr lang="en-US" sz="1400" kern="1200"/>
+            <a:rPr lang="en-US" sz="1400" kern="1200" dirty="0"/>
             <a:t>Data source: </a:t>
           </a:r>
           <a:r>
-            <a:rPr lang="en-US" sz="1400" kern="1200">
+            <a:rPr lang="en-US" sz="1400" kern="1200" dirty="0">
               <a:hlinkClick xmlns:r="http://schemas.openxmlformats.org/officeDocument/2006/relationships" r:id="rId3"/>
             </a:rPr>
             <a:t>https://zenodo.org/record/2545213</a:t>
           </a:r>
-          <a:endParaRPr lang="en-US" sz="1400" kern="1200"/>
+          <a:endParaRPr lang="en-US" sz="1400" kern="1200" dirty="0"/>
         </a:p>
       </dsp:txBody>
       <dsp:txXfrm>
@@ -3255,7 +3256,7 @@
           <a:p>
             <a:fld id="{227536F0-2F30-4D4A-8951-4139C65E20CB}" type="datetimeFigureOut">
               <a:rPr lang="en-VN" smtClean="0"/>
-              <a:t>04/09/2023</a:t>
+              <a:t>05/09/2023</a:t>
             </a:fld>
             <a:endParaRPr lang="en-VN"/>
           </a:p>
@@ -3593,7 +3594,7 @@
           <a:p>
             <a:fld id="{227536F0-2F30-4D4A-8951-4139C65E20CB}" type="datetimeFigureOut">
               <a:rPr lang="en-VN" smtClean="0"/>
-              <a:t>04/09/2023</a:t>
+              <a:t>05/09/2023</a:t>
             </a:fld>
             <a:endParaRPr lang="en-VN"/>
           </a:p>
@@ -3994,7 +3995,7 @@
           <a:p>
             <a:fld id="{227536F0-2F30-4D4A-8951-4139C65E20CB}" type="datetimeFigureOut">
               <a:rPr lang="en-VN" smtClean="0"/>
-              <a:t>04/09/2023</a:t>
+              <a:t>05/09/2023</a:t>
             </a:fld>
             <a:endParaRPr lang="en-VN"/>
           </a:p>
@@ -4330,7 +4331,7 @@
           <a:p>
             <a:fld id="{227536F0-2F30-4D4A-8951-4139C65E20CB}" type="datetimeFigureOut">
               <a:rPr lang="en-VN" smtClean="0"/>
-              <a:t>04/09/2023</a:t>
+              <a:t>05/09/2023</a:t>
             </a:fld>
             <a:endParaRPr lang="en-VN"/>
           </a:p>
@@ -4650,7 +4651,7 @@
           <a:p>
             <a:fld id="{227536F0-2F30-4D4A-8951-4139C65E20CB}" type="datetimeFigureOut">
               <a:rPr lang="en-VN" smtClean="0"/>
-              <a:t>04/09/2023</a:t>
+              <a:t>05/09/2023</a:t>
             </a:fld>
             <a:endParaRPr lang="en-VN"/>
           </a:p>
@@ -5046,7 +5047,7 @@
           <a:p>
             <a:fld id="{227536F0-2F30-4D4A-8951-4139C65E20CB}" type="datetimeFigureOut">
               <a:rPr lang="en-VN" smtClean="0"/>
-              <a:t>04/09/2023</a:t>
+              <a:t>05/09/2023</a:t>
             </a:fld>
             <a:endParaRPr lang="en-VN"/>
           </a:p>
@@ -5303,7 +5304,7 @@
           <a:p>
             <a:fld id="{227536F0-2F30-4D4A-8951-4139C65E20CB}" type="datetimeFigureOut">
               <a:rPr lang="en-VN" smtClean="0"/>
-              <a:t>04/09/2023</a:t>
+              <a:t>05/09/2023</a:t>
             </a:fld>
             <a:endParaRPr lang="en-VN"/>
           </a:p>
@@ -5565,7 +5566,7 @@
           <a:p>
             <a:fld id="{227536F0-2F30-4D4A-8951-4139C65E20CB}" type="datetimeFigureOut">
               <a:rPr lang="en-VN" smtClean="0"/>
-              <a:t>04/09/2023</a:t>
+              <a:t>05/09/2023</a:t>
             </a:fld>
             <a:endParaRPr lang="en-VN"/>
           </a:p>
@@ -5827,7 +5828,7 @@
           <a:p>
             <a:fld id="{227536F0-2F30-4D4A-8951-4139C65E20CB}" type="datetimeFigureOut">
               <a:rPr lang="en-VN" smtClean="0"/>
-              <a:t>04/09/2023</a:t>
+              <a:t>05/09/2023</a:t>
             </a:fld>
             <a:endParaRPr lang="en-VN"/>
           </a:p>
@@ -6156,7 +6157,7 @@
           <a:p>
             <a:fld id="{227536F0-2F30-4D4A-8951-4139C65E20CB}" type="datetimeFigureOut">
               <a:rPr lang="en-VN" smtClean="0"/>
-              <a:t>04/09/2023</a:t>
+              <a:t>05/09/2023</a:t>
             </a:fld>
             <a:endParaRPr lang="en-VN"/>
           </a:p>
@@ -6479,7 +6480,7 @@
           <a:p>
             <a:fld id="{227536F0-2F30-4D4A-8951-4139C65E20CB}" type="datetimeFigureOut">
               <a:rPr lang="en-VN" smtClean="0"/>
-              <a:t>04/09/2023</a:t>
+              <a:t>05/09/2023</a:t>
             </a:fld>
             <a:endParaRPr lang="en-VN"/>
           </a:p>
@@ -6936,7 +6937,7 @@
           <a:p>
             <a:fld id="{227536F0-2F30-4D4A-8951-4139C65E20CB}" type="datetimeFigureOut">
               <a:rPr lang="en-VN" smtClean="0"/>
-              <a:t>04/09/2023</a:t>
+              <a:t>05/09/2023</a:t>
             </a:fld>
             <a:endParaRPr lang="en-VN"/>
           </a:p>
@@ -7141,7 +7142,7 @@
           <a:p>
             <a:fld id="{227536F0-2F30-4D4A-8951-4139C65E20CB}" type="datetimeFigureOut">
               <a:rPr lang="en-VN" smtClean="0"/>
-              <a:t>04/09/2023</a:t>
+              <a:t>05/09/2023</a:t>
             </a:fld>
             <a:endParaRPr lang="en-VN"/>
           </a:p>
@@ -7318,7 +7319,7 @@
           <a:p>
             <a:fld id="{227536F0-2F30-4D4A-8951-4139C65E20CB}" type="datetimeFigureOut">
               <a:rPr lang="en-VN" smtClean="0"/>
-              <a:t>04/09/2023</a:t>
+              <a:t>05/09/2023</a:t>
             </a:fld>
             <a:endParaRPr lang="en-VN"/>
           </a:p>
@@ -7651,7 +7652,7 @@
           <a:p>
             <a:fld id="{227536F0-2F30-4D4A-8951-4139C65E20CB}" type="datetimeFigureOut">
               <a:rPr lang="en-VN" smtClean="0"/>
-              <a:t>04/09/2023</a:t>
+              <a:t>05/09/2023</a:t>
             </a:fld>
             <a:endParaRPr lang="en-VN"/>
           </a:p>
@@ -7996,7 +7997,7 @@
           <a:p>
             <a:fld id="{227536F0-2F30-4D4A-8951-4139C65E20CB}" type="datetimeFigureOut">
               <a:rPr lang="en-VN" smtClean="0"/>
-              <a:t>04/09/2023</a:t>
+              <a:t>05/09/2023</a:t>
             </a:fld>
             <a:endParaRPr lang="en-VN"/>
           </a:p>
@@ -10113,7 +10114,7 @@
           <a:p>
             <a:fld id="{227536F0-2F30-4D4A-8951-4139C65E20CB}" type="datetimeFigureOut">
               <a:rPr lang="en-VN" smtClean="0"/>
-              <a:t>04/09/2023</a:t>
+              <a:t>05/09/2023</a:t>
             </a:fld>
             <a:endParaRPr lang="en-VN"/>
           </a:p>
@@ -16275,6 +16276,59 @@
               <a:t>ELOVL2_6, TRIM59_5, HOXC4_1, ZYG11A_4, RPA2_3</a:t>
             </a:r>
           </a:p>
+          <a:p>
+            <a:pPr lvl="2">
+              <a:buFont typeface="Wingdings 3" charset="2"/>
+              <a:buChar char=""/>
+            </a:pPr>
+            <a:r>
+              <a:rPr lang="en-US" sz="1200" b="1" i="1" dirty="0">
+                <a:solidFill>
+                  <a:srgbClr val="000000"/>
+                </a:solidFill>
+              </a:rPr>
+              <a:t>ELVOL2: </a:t>
+            </a:r>
+            <a:r>
+              <a:rPr lang="en-US" sz="1200" b="1" i="0" u="none" strike="noStrike" dirty="0">
+                <a:solidFill>
+                  <a:srgbClr val="212121"/>
+                </a:solidFill>
+                <a:effectLst/>
+              </a:rPr>
+              <a:t>encodes a transmembrane protein involved in the synthesis of very long polyunsaturated fatty acids (VLC-PUFAs). These fatty acids play important roles in retinal biology and photoreceptor renewal, key processes implicated in age-related eye diseases such as age-related macular degeneration (AMD) (Chao et al., 2020) </a:t>
+            </a:r>
+            <a:endParaRPr lang="en-US" sz="1200" b="1" i="1" dirty="0">
+              <a:solidFill>
+                <a:srgbClr val="000000"/>
+              </a:solidFill>
+            </a:endParaRPr>
+          </a:p>
+          <a:p>
+            <a:pPr lvl="2">
+              <a:buFont typeface="Wingdings 3" charset="2"/>
+              <a:buChar char=""/>
+            </a:pPr>
+            <a:r>
+              <a:rPr lang="en-US" sz="1200" b="1" i="1" dirty="0">
+                <a:solidFill>
+                  <a:srgbClr val="000000"/>
+                </a:solidFill>
+              </a:rPr>
+              <a:t>TRIM59: an E3 ubiquitin ligase in various cellular processes, including intracellular signaling, development, apoptosis, protein quality control, innate immunity, autophagy and carcinogenesis (Lou et al., 2019)</a:t>
+            </a:r>
+          </a:p>
+          <a:p>
+            <a:pPr lvl="2">
+              <a:buFont typeface="Wingdings 3" charset="2"/>
+              <a:buChar char=""/>
+            </a:pPr>
+            <a:endParaRPr lang="en-US" sz="1200" b="1" i="1" dirty="0">
+              <a:solidFill>
+                <a:srgbClr val="000000"/>
+              </a:solidFill>
+            </a:endParaRPr>
+          </a:p>
         </p:txBody>
       </p:sp>
       <p:sp>
@@ -17708,6 +17762,218 @@
     <p:extLst>
       <p:ext uri="{BB962C8B-B14F-4D97-AF65-F5344CB8AC3E}">
         <p14:creationId xmlns:p14="http://schemas.microsoft.com/office/powerpoint/2010/main" val="3373025925"/>
+      </p:ext>
+    </p:extLst>
+  </p:cSld>
+  <p:clrMapOvr>
+    <a:masterClrMapping/>
+  </p:clrMapOvr>
+</p:sld>
+</file>
+
+<file path=ppt/slides/slide13.xml><?xml version="1.0" encoding="utf-8"?>
+<p:sld xmlns:a="http://schemas.openxmlformats.org/drawingml/2006/main" xmlns:r="http://schemas.openxmlformats.org/officeDocument/2006/relationships" xmlns:p="http://schemas.openxmlformats.org/presentationml/2006/main">
+  <p:cSld>
+    <p:spTree>
+      <p:nvGrpSpPr>
+        <p:cNvPr id="1" name=""/>
+        <p:cNvGrpSpPr/>
+        <p:nvPr/>
+      </p:nvGrpSpPr>
+      <p:grpSpPr>
+        <a:xfrm>
+          <a:off x="0" y="0"/>
+          <a:ext cx="0" cy="0"/>
+          <a:chOff x="0" y="0"/>
+          <a:chExt cx="0" cy="0"/>
+        </a:xfrm>
+      </p:grpSpPr>
+      <p:sp>
+        <p:nvSpPr>
+          <p:cNvPr id="2" name="Title 1">
+            <a:extLst>
+              <a:ext uri="{FF2B5EF4-FFF2-40B4-BE49-F238E27FC236}">
+                <a16:creationId xmlns:a16="http://schemas.microsoft.com/office/drawing/2014/main" id="{CCC11301-47CF-7C1D-DC1A-AF918F5085B9}"/>
+              </a:ext>
+            </a:extLst>
+          </p:cNvPr>
+          <p:cNvSpPr>
+            <a:spLocks noGrp="1"/>
+          </p:cNvSpPr>
+          <p:nvPr>
+            <p:ph type="title"/>
+          </p:nvPr>
+        </p:nvSpPr>
+        <p:spPr/>
+        <p:txBody>
+          <a:bodyPr/>
+          <a:lstStyle/>
+          <a:p>
+            <a:r>
+              <a:rPr lang="en-VN" dirty="0"/>
+              <a:t>References:</a:t>
+            </a:r>
+          </a:p>
+        </p:txBody>
+      </p:sp>
+      <p:sp>
+        <p:nvSpPr>
+          <p:cNvPr id="3" name="Content Placeholder 2">
+            <a:extLst>
+              <a:ext uri="{FF2B5EF4-FFF2-40B4-BE49-F238E27FC236}">
+                <a16:creationId xmlns:a16="http://schemas.microsoft.com/office/drawing/2014/main" id="{68DE2248-34C6-DD61-4250-950EDDC2366B}"/>
+              </a:ext>
+            </a:extLst>
+          </p:cNvPr>
+          <p:cNvSpPr>
+            <a:spLocks noGrp="1"/>
+          </p:cNvSpPr>
+          <p:nvPr>
+            <p:ph idx="1"/>
+          </p:nvPr>
+        </p:nvSpPr>
+        <p:spPr/>
+        <p:txBody>
+          <a:bodyPr/>
+          <a:lstStyle/>
+          <a:p>
+            <a:r>
+              <a:rPr lang="en-US" sz="1200" b="0" i="0" u="none" strike="noStrike" dirty="0">
+                <a:solidFill>
+                  <a:srgbClr val="212121"/>
+                </a:solidFill>
+                <a:effectLst/>
+                <a:latin typeface="Century Gothic" panose="020B0502020202020204" pitchFamily="34" charset="0"/>
+              </a:rPr>
+              <a:t>Chao, D. L., &amp; </a:t>
+            </a:r>
+            <a:r>
+              <a:rPr lang="en-US" sz="1200" b="0" i="0" u="none" strike="noStrike" dirty="0" err="1">
+                <a:solidFill>
+                  <a:srgbClr val="212121"/>
+                </a:solidFill>
+                <a:effectLst/>
+                <a:latin typeface="Century Gothic" panose="020B0502020202020204" pitchFamily="34" charset="0"/>
+              </a:rPr>
+              <a:t>Skowronska</a:t>
+            </a:r>
+            <a:r>
+              <a:rPr lang="en-US" sz="1200" b="0" i="0" u="none" strike="noStrike" dirty="0">
+                <a:solidFill>
+                  <a:srgbClr val="212121"/>
+                </a:solidFill>
+                <a:effectLst/>
+                <a:latin typeface="Century Gothic" panose="020B0502020202020204" pitchFamily="34" charset="0"/>
+              </a:rPr>
+              <a:t>-Krawczyk, D. (2020). ELOVL2: Not just a biomarker of aging. </a:t>
+            </a:r>
+            <a:r>
+              <a:rPr lang="en-US" sz="1200" b="0" i="1" u="none" strike="noStrike" dirty="0">
+                <a:solidFill>
+                  <a:srgbClr val="212121"/>
+                </a:solidFill>
+                <a:effectLst/>
+                <a:latin typeface="Century Gothic" panose="020B0502020202020204" pitchFamily="34" charset="0"/>
+              </a:rPr>
+              <a:t>Translational medicine of aging</a:t>
+            </a:r>
+            <a:r>
+              <a:rPr lang="en-US" sz="1200" b="0" i="0" u="none" strike="noStrike" dirty="0">
+                <a:solidFill>
+                  <a:srgbClr val="212121"/>
+                </a:solidFill>
+                <a:effectLst/>
+                <a:latin typeface="Century Gothic" panose="020B0502020202020204" pitchFamily="34" charset="0"/>
+              </a:rPr>
+              <a:t>, </a:t>
+            </a:r>
+            <a:r>
+              <a:rPr lang="en-US" sz="1200" b="0" i="1" u="none" strike="noStrike" dirty="0">
+                <a:solidFill>
+                  <a:srgbClr val="212121"/>
+                </a:solidFill>
+                <a:effectLst/>
+                <a:latin typeface="Century Gothic" panose="020B0502020202020204" pitchFamily="34" charset="0"/>
+              </a:rPr>
+              <a:t>4</a:t>
+            </a:r>
+            <a:r>
+              <a:rPr lang="en-US" sz="1200" b="0" i="0" u="none" strike="noStrike" dirty="0">
+                <a:solidFill>
+                  <a:srgbClr val="212121"/>
+                </a:solidFill>
+                <a:effectLst/>
+                <a:latin typeface="Century Gothic" panose="020B0502020202020204" pitchFamily="34" charset="0"/>
+              </a:rPr>
+              <a:t>, 78–80. https://</a:t>
+            </a:r>
+            <a:r>
+              <a:rPr lang="en-US" sz="1200" b="0" i="0" u="none" strike="noStrike" dirty="0" err="1">
+                <a:solidFill>
+                  <a:srgbClr val="212121"/>
+                </a:solidFill>
+                <a:effectLst/>
+                <a:latin typeface="Century Gothic" panose="020B0502020202020204" pitchFamily="34" charset="0"/>
+              </a:rPr>
+              <a:t>doi.org</a:t>
+            </a:r>
+            <a:r>
+              <a:rPr lang="en-US" sz="1200" b="0" i="0" u="none" strike="noStrike" dirty="0">
+                <a:solidFill>
+                  <a:srgbClr val="212121"/>
+                </a:solidFill>
+                <a:effectLst/>
+                <a:latin typeface="Century Gothic" panose="020B0502020202020204" pitchFamily="34" charset="0"/>
+              </a:rPr>
+              <a:t>/10.1016/j.tma.2020.06.004</a:t>
+            </a:r>
+            <a:endParaRPr lang="en-US" sz="1200" b="0" i="0" u="none" strike="noStrike" dirty="0">
+              <a:solidFill>
+                <a:srgbClr val="575757"/>
+              </a:solidFill>
+              <a:effectLst/>
+              <a:latin typeface="Century Gothic" panose="020B0502020202020204" pitchFamily="34" charset="0"/>
+            </a:endParaRPr>
+          </a:p>
+          <a:p>
+            <a:r>
+              <a:rPr lang="en-US" sz="1200" b="0" i="0" u="none" strike="noStrike" dirty="0">
+                <a:solidFill>
+                  <a:srgbClr val="575757"/>
+                </a:solidFill>
+                <a:effectLst/>
+                <a:latin typeface="Century Gothic" panose="020B0502020202020204" pitchFamily="34" charset="0"/>
+              </a:rPr>
+              <a:t>Lou, M., Gao, Z., Zhu, T., Mao, X., Wang, Y., Yuan, K., &amp; Tong, J. (2020). TRIM59 as a novel molecular biomarker to predict the prognosis of patients with NSCLC. Oncology Letters, 19, 1400-1408. </a:t>
+            </a:r>
+            <a:r>
+              <a:rPr lang="en-US" sz="1200" b="0" i="0" u="none" strike="noStrike" dirty="0">
+                <a:solidFill>
+                  <a:srgbClr val="575757"/>
+                </a:solidFill>
+                <a:effectLst/>
+                <a:latin typeface="Century Gothic" panose="020B0502020202020204" pitchFamily="34" charset="0"/>
+                <a:hlinkClick r:id="rId2"/>
+              </a:rPr>
+              <a:t>https://doi.org/10.3892/ol.2019.11199</a:t>
+            </a:r>
+            <a:endParaRPr lang="en-US" sz="1200" b="0" i="0" u="none" strike="noStrike" dirty="0">
+              <a:solidFill>
+                <a:srgbClr val="575757"/>
+              </a:solidFill>
+              <a:effectLst/>
+              <a:latin typeface="Century Gothic" panose="020B0502020202020204" pitchFamily="34" charset="0"/>
+            </a:endParaRPr>
+          </a:p>
+          <a:p>
+            <a:endParaRPr lang="en-VN" dirty="0"/>
+          </a:p>
+        </p:txBody>
+      </p:sp>
+    </p:spTree>
+    <p:extLst>
+      <p:ext uri="{BB962C8B-B14F-4D97-AF65-F5344CB8AC3E}">
+        <p14:creationId xmlns:p14="http://schemas.microsoft.com/office/powerpoint/2010/main" val="3438920194"/>
       </p:ext>
     </p:extLst>
   </p:cSld>
